--- a/RolePlay.pptx
+++ b/RolePlay.pptx
@@ -1128,7 +1128,140 @@
               </a:spcAft>
               <a:buNone/>
             </a:pPr>
-            <a:endParaRPr/>
+            <a:r>
+              <a:rPr lang="en-US" dirty="0"/>
+              <a:t>The 100 hundred repos could have branch protection applied via API script</a:t>
+            </a:r>
+          </a:p>
+          <a:p>
+            <a:pPr marL="0" lvl="0" indent="0" algn="l" rtl="0">
+              <a:spcBef>
+                <a:spcPts val="0"/>
+              </a:spcBef>
+              <a:spcAft>
+                <a:spcPts val="0"/>
+              </a:spcAft>
+              <a:buNone/>
+            </a:pPr>
+            <a:r>
+              <a:rPr lang="en-US" dirty="0"/>
+              <a:t>     EX: curl -X PUT -u $GITHUB_USER:$GITHUB_TOKEN -H "Accept: application/</a:t>
+            </a:r>
+            <a:r>
+              <a:rPr lang="en-US" dirty="0" err="1"/>
+              <a:t>vnd.github.luke-cage-preview+json</a:t>
+            </a:r>
+            <a:r>
+              <a:rPr lang="en-US" dirty="0"/>
+              <a:t>" https://api.github.com/repos/$REPOORG/$REPO/branches/main/protection -d '{"</a:t>
+            </a:r>
+            <a:r>
+              <a:rPr lang="en-US" dirty="0" err="1"/>
+              <a:t>required_status_checks</a:t>
+            </a:r>
+            <a:r>
+              <a:rPr lang="en-US" dirty="0"/>
+              <a:t>": null,"</a:t>
+            </a:r>
+            <a:r>
+              <a:rPr lang="en-US" dirty="0" err="1"/>
+              <a:t>enforce_admins</a:t>
+            </a:r>
+            <a:r>
+              <a:rPr lang="en-US" dirty="0"/>
+              <a:t>": null,"</a:t>
+            </a:r>
+            <a:r>
+              <a:rPr lang="en-US" dirty="0" err="1"/>
+              <a:t>required_pull_request_reviews</a:t>
+            </a:r>
+            <a:r>
+              <a:rPr lang="en-US" dirty="0"/>
+              <a:t>" : {"</a:t>
+            </a:r>
+            <a:r>
+              <a:rPr lang="en-US" dirty="0" err="1"/>
+              <a:t>dismissal_restrictions</a:t>
+            </a:r>
+            <a:r>
+              <a:rPr lang="en-US" dirty="0"/>
+              <a:t>": {},"</a:t>
+            </a:r>
+            <a:r>
+              <a:rPr lang="en-US" dirty="0" err="1"/>
+              <a:t>dismiss_stale_reviews</a:t>
+            </a:r>
+            <a:r>
+              <a:rPr lang="en-US" dirty="0"/>
+              <a:t>": false,"</a:t>
+            </a:r>
+            <a:r>
+              <a:rPr lang="en-US" dirty="0" err="1"/>
+              <a:t>require_code_owner_reviews</a:t>
+            </a:r>
+            <a:r>
+              <a:rPr lang="en-US" dirty="0"/>
+              <a:t>": true,"</a:t>
+            </a:r>
+            <a:r>
+              <a:rPr lang="en-US" dirty="0" err="1"/>
+              <a:t>required_approving_review_count</a:t>
+            </a:r>
+            <a:r>
+              <a:rPr lang="en-US" dirty="0"/>
+              <a:t>": 1},"</a:t>
+            </a:r>
+            <a:r>
+              <a:rPr lang="en-US" dirty="0" err="1"/>
+              <a:t>restrictions":null</a:t>
+            </a:r>
+            <a:r>
+              <a:rPr lang="en-US" dirty="0"/>
+              <a:t>}’</a:t>
+            </a:r>
+          </a:p>
+          <a:p>
+            <a:pPr marL="0" lvl="0" indent="0" algn="l" rtl="0">
+              <a:spcBef>
+                <a:spcPts val="0"/>
+              </a:spcBef>
+              <a:spcAft>
+                <a:spcPts val="0"/>
+              </a:spcAft>
+              <a:buNone/>
+            </a:pPr>
+            <a:endParaRPr lang="en-US" dirty="0"/>
+          </a:p>
+          <a:p>
+            <a:pPr marL="0" lvl="0" indent="0" algn="l" rtl="0">
+              <a:spcBef>
+                <a:spcPts val="0"/>
+              </a:spcBef>
+              <a:spcAft>
+                <a:spcPts val="0"/>
+              </a:spcAft>
+              <a:buNone/>
+            </a:pPr>
+            <a:r>
+              <a:rPr lang="en-US" dirty="0"/>
+              <a:t>How many new repos do you anticipate throughout this year and the next 3 years?</a:t>
+            </a:r>
+          </a:p>
+          <a:p>
+            <a:pPr marL="0" lvl="0" indent="0" algn="l" rtl="0">
+              <a:spcBef>
+                <a:spcPts val="0"/>
+              </a:spcBef>
+              <a:spcAft>
+                <a:spcPts val="0"/>
+              </a:spcAft>
+              <a:buNone/>
+            </a:pPr>
+            <a:r>
+              <a:rPr lang="en-US" dirty="0"/>
+              <a:t>     Webhook and listener to apply branch protection and other required parameters may be the best approach.</a:t>
+            </a:r>
+            <a:endParaRPr dirty="0"/>
           </a:p>
         </p:txBody>
       </p:sp>
@@ -8204,15 +8337,7 @@
             </a:pPr>
             <a:r>
               <a:rPr lang="en-US" sz="1600" dirty="0"/>
-              <a:t>(and how it relates to </a:t>
-            </a:r>
-            <a:r>
-              <a:rPr lang="en-US" sz="1600" dirty="0" err="1"/>
-              <a:t>Github</a:t>
-            </a:r>
-            <a:r>
-              <a:rPr lang="en-US" sz="1600" dirty="0"/>
-              <a:t>)</a:t>
+              <a:t>(and how it relates to GitHub)</a:t>
             </a:r>
           </a:p>
           <a:p>

--- a/RolePlay.pptx
+++ b/RolePlay.pptx
@@ -8365,7 +8365,15 @@
             </a:pPr>
             <a:r>
               <a:rPr lang="en-US" sz="1800" dirty="0"/>
-              <a:t>SDLC experience</a:t>
+              <a:t>SDLC</a:t>
+            </a:r>
+            <a:r>
+              <a:rPr lang="en-US" sz="1800"/>
+              <a:t>/DevOps </a:t>
+            </a:r>
+            <a:r>
+              <a:rPr lang="en-US" sz="1800" dirty="0"/>
+              <a:t>experience</a:t>
             </a:r>
           </a:p>
           <a:p>

--- a/RolePlay.pptx
+++ b/RolePlay.pptx
@@ -1129,8 +1129,12 @@
               <a:buNone/>
             </a:pPr>
             <a:r>
+              <a:rPr lang="en-US"/>
+              <a:t>The 100s of </a:t>
+            </a:r>
+            <a:r>
               <a:rPr lang="en-US" dirty="0"/>
-              <a:t>The 100 hundred repos could have branch protection applied via API script</a:t>
+              <a:t>repos could have branch protection applied via API script</a:t>
             </a:r>
           </a:p>
           <a:p>
@@ -8365,15 +8369,7 @@
             </a:pPr>
             <a:r>
               <a:rPr lang="en-US" sz="1800" dirty="0"/>
-              <a:t>SDLC</a:t>
-            </a:r>
-            <a:r>
-              <a:rPr lang="en-US" sz="1800"/>
-              <a:t>/DevOps </a:t>
-            </a:r>
-            <a:r>
-              <a:rPr lang="en-US" sz="1800" dirty="0"/>
-              <a:t>experience</a:t>
+              <a:t>SDLC/DevOps experience</a:t>
             </a:r>
           </a:p>
           <a:p>
